--- a/#4_Python_Functions_Modules_Package.pptx
+++ b/#4_Python_Functions_Modules_Package.pptx
@@ -329,7 +329,7 @@
                 <a:ea typeface="SimSun" panose="02010600030101010101" pitchFamily="2" charset="-122"/>
                 <a:cs typeface="+mn-cs"/>
               </a:rPr>
-              <a:t>2020/9/3</a:t>
+              <a:t>2020/9/9</a:t>
             </a:fld>
             <a:endParaRPr lang="zh-CN" altLang="en-US" strike="noStrike" noProof="1"/>
           </a:p>
@@ -11746,14 +11746,7 @@
                 <a:latin typeface="Verdana" panose="020B0604030504040204" pitchFamily="34" charset="0"/>
                 <a:ea typeface="Verdana" panose="020B0604030504040204" pitchFamily="34" charset="0"/>
               </a:rPr>
-              <a:t>Function-Modules-Package</a:t>
-            </a:r>
-            <a:r>
-              <a:rPr lang="en-US" dirty="0" smtClean="0">
-                <a:latin typeface="Verdana" panose="020B0604030504040204" pitchFamily="34" charset="0"/>
-                <a:ea typeface="Verdana" panose="020B0604030504040204" pitchFamily="34" charset="0"/>
-              </a:rPr>
-              <a:t>s</a:t>
+              <a:t>Function-Modules-Packages</a:t>
             </a:r>
             <a:endParaRPr lang="en-US" dirty="0">
               <a:latin typeface="Verdana" panose="020B0604030504040204" pitchFamily="34" charset="0"/>
@@ -12466,14 +12459,7 @@
                 <a:latin typeface="Verdana" panose="020B0604030504040204" pitchFamily="34" charset="0"/>
                 <a:ea typeface="Verdana" panose="020B0604030504040204" pitchFamily="34" charset="0"/>
               </a:rPr>
-              <a:t>Function-Modules-Package</a:t>
-            </a:r>
-            <a:r>
-              <a:rPr lang="en-US" dirty="0" smtClean="0">
-                <a:latin typeface="Verdana" panose="020B0604030504040204" pitchFamily="34" charset="0"/>
-                <a:ea typeface="Verdana" panose="020B0604030504040204" pitchFamily="34" charset="0"/>
-              </a:rPr>
-              <a:t>s</a:t>
+              <a:t>Function-Modules-Packages</a:t>
             </a:r>
             <a:endParaRPr lang="en-US" dirty="0">
               <a:latin typeface="Verdana" panose="020B0604030504040204" pitchFamily="34" charset="0"/>
@@ -13079,14 +13065,7 @@
                 <a:latin typeface="Verdana" panose="020B0604030504040204" pitchFamily="34" charset="0"/>
                 <a:ea typeface="Verdana" panose="020B0604030504040204" pitchFamily="34" charset="0"/>
               </a:rPr>
-              <a:t>Function-Modules-Package</a:t>
-            </a:r>
-            <a:r>
-              <a:rPr lang="en-US" dirty="0" smtClean="0">
-                <a:latin typeface="Verdana" panose="020B0604030504040204" pitchFamily="34" charset="0"/>
-                <a:ea typeface="Verdana" panose="020B0604030504040204" pitchFamily="34" charset="0"/>
-              </a:rPr>
-              <a:t>s</a:t>
+              <a:t>Function-Modules-Packages</a:t>
             </a:r>
             <a:endParaRPr lang="en-US" dirty="0">
               <a:latin typeface="Verdana" panose="020B0604030504040204" pitchFamily="34" charset="0"/>
@@ -13702,9 +13681,10 @@
           </a:p>
           <a:p>
             <a:r>
-              <a:rPr lang="en-US" sz="2400" b="1" dirty="0"/>
+              <a:rPr lang="en-US" sz="2400" b="1" dirty="0" smtClean="0"/>
               <a:t>print(double(5))</a:t>
             </a:r>
+            <a:endParaRPr lang="en-US" sz="2400" b="1" dirty="0"/>
           </a:p>
         </p:txBody>
       </p:sp>
@@ -13742,14 +13722,7 @@
                 <a:latin typeface="Verdana" panose="020B0604030504040204" pitchFamily="34" charset="0"/>
                 <a:ea typeface="Verdana" panose="020B0604030504040204" pitchFamily="34" charset="0"/>
               </a:rPr>
-              <a:t>Function-Modules-Package</a:t>
-            </a:r>
-            <a:r>
-              <a:rPr lang="en-US" dirty="0" smtClean="0">
-                <a:latin typeface="Verdana" panose="020B0604030504040204" pitchFamily="34" charset="0"/>
-                <a:ea typeface="Verdana" panose="020B0604030504040204" pitchFamily="34" charset="0"/>
-              </a:rPr>
-              <a:t>s</a:t>
+              <a:t>Function-Modules-Packages</a:t>
             </a:r>
             <a:endParaRPr lang="en-US" dirty="0">
               <a:latin typeface="Verdana" panose="020B0604030504040204" pitchFamily="34" charset="0"/>
@@ -14199,7 +14172,7 @@
         </p:nvSpPr>
         <p:spPr>
           <a:xfrm>
-            <a:off x="372432" y="2784542"/>
+            <a:off x="399728" y="2154800"/>
             <a:ext cx="11510645" cy="2676525"/>
           </a:xfrm>
           <a:prstGeom prst="rect">
@@ -14334,14 +14307,7 @@
                 <a:latin typeface="Verdana" panose="020B0604030504040204" pitchFamily="34" charset="0"/>
                 <a:ea typeface="Verdana" panose="020B0604030504040204" pitchFamily="34" charset="0"/>
               </a:rPr>
-              <a:t>Function-Modules-Package</a:t>
-            </a:r>
-            <a:r>
-              <a:rPr lang="en-US" dirty="0" smtClean="0">
-                <a:latin typeface="Verdana" panose="020B0604030504040204" pitchFamily="34" charset="0"/>
-                <a:ea typeface="Verdana" panose="020B0604030504040204" pitchFamily="34" charset="0"/>
-              </a:rPr>
-              <a:t>s</a:t>
+              <a:t>Function-Modules-Packages</a:t>
             </a:r>
             <a:endParaRPr lang="en-US" dirty="0">
               <a:latin typeface="Verdana" panose="020B0604030504040204" pitchFamily="34" charset="0"/>
@@ -14861,41 +14827,65 @@
           <a:lstStyle/>
           <a:p>
             <a:r>
-              <a:rPr lang="en-US" sz="2400" b="1"/>
+              <a:rPr lang="en-US" sz="2400" b="1" dirty="0"/>
               <a:t># Program to filter out only the even items from a list</a:t>
             </a:r>
           </a:p>
           <a:p>
-            <a:endParaRPr lang="en-US" sz="2400" b="1"/>
-          </a:p>
-          <a:p>
-            <a:r>
-              <a:rPr lang="en-US" sz="2400" b="1"/>
-              <a:t>my_list = [1, 5, 4, 6, 8, 11, 3, 12]</a:t>
-            </a:r>
-          </a:p>
-          <a:p>
-            <a:endParaRPr lang="en-US" sz="2400" b="1"/>
-          </a:p>
-          <a:p>
-            <a:r>
-              <a:rPr lang="en-US" sz="2400" b="1"/>
-              <a:t>new_list = list(filter(lambda x: (x%2 == 0) , my_list))</a:t>
-            </a:r>
-          </a:p>
-          <a:p>
-            <a:endParaRPr lang="en-US" sz="2400" b="1"/>
-          </a:p>
-          <a:p>
-            <a:r>
-              <a:rPr lang="en-US" sz="2400" b="1"/>
+            <a:endParaRPr lang="en-US" sz="2400" b="1" dirty="0"/>
+          </a:p>
+          <a:p>
+            <a:r>
+              <a:rPr lang="en-US" sz="2400" b="1" dirty="0" err="1"/>
+              <a:t>my_list</a:t>
+            </a:r>
+            <a:r>
+              <a:rPr lang="en-US" sz="2400" b="1" dirty="0"/>
+              <a:t> = [1, 5, 4, 6, 8, 11, 3, 12]</a:t>
+            </a:r>
+          </a:p>
+          <a:p>
+            <a:endParaRPr lang="en-US" sz="2400" b="1" dirty="0"/>
+          </a:p>
+          <a:p>
+            <a:r>
+              <a:rPr lang="en-US" sz="2400" b="1" dirty="0" err="1"/>
+              <a:t>new_list</a:t>
+            </a:r>
+            <a:r>
+              <a:rPr lang="en-US" sz="2400" b="1" dirty="0"/>
+              <a:t> = list(filter(lambda x: (x%2 == 0) , </a:t>
+            </a:r>
+            <a:r>
+              <a:rPr lang="en-US" sz="2400" b="1" dirty="0" err="1"/>
+              <a:t>my_list</a:t>
+            </a:r>
+            <a:r>
+              <a:rPr lang="en-US" sz="2400" b="1" dirty="0"/>
+              <a:t>))</a:t>
+            </a:r>
+          </a:p>
+          <a:p>
+            <a:endParaRPr lang="en-US" sz="2400" b="1" dirty="0"/>
+          </a:p>
+          <a:p>
+            <a:r>
+              <a:rPr lang="en-US" sz="2400" b="1" dirty="0"/>
               <a:t># Output: [4, 6, 8, 12]</a:t>
             </a:r>
           </a:p>
           <a:p>
             <a:r>
-              <a:rPr lang="en-US" sz="2400" b="1"/>
-              <a:t>print(new_list)</a:t>
+              <a:rPr lang="en-US" sz="2400" b="1" dirty="0"/>
+              <a:t>print(</a:t>
+            </a:r>
+            <a:r>
+              <a:rPr lang="en-US" sz="2400" b="1" dirty="0" err="1"/>
+              <a:t>new_list</a:t>
+            </a:r>
+            <a:r>
+              <a:rPr lang="en-US" sz="2400" b="1" dirty="0"/>
+              <a:t>)</a:t>
             </a:r>
           </a:p>
         </p:txBody>
@@ -14991,14 +14981,7 @@
                 <a:latin typeface="Verdana" panose="020B0604030504040204" pitchFamily="34" charset="0"/>
                 <a:ea typeface="Verdana" panose="020B0604030504040204" pitchFamily="34" charset="0"/>
               </a:rPr>
-              <a:t>Function-Modules-Package</a:t>
-            </a:r>
-            <a:r>
-              <a:rPr lang="en-US" dirty="0" smtClean="0">
-                <a:latin typeface="Verdana" panose="020B0604030504040204" pitchFamily="34" charset="0"/>
-                <a:ea typeface="Verdana" panose="020B0604030504040204" pitchFamily="34" charset="0"/>
-              </a:rPr>
-              <a:t>s</a:t>
+              <a:t>Function-Modules-Packages</a:t>
             </a:r>
             <a:endParaRPr lang="en-US" dirty="0">
               <a:latin typeface="Verdana" panose="020B0604030504040204" pitchFamily="34" charset="0"/>
@@ -15467,14 +15450,14 @@
               <a:buChar char="Ø"/>
             </a:pPr>
             <a:r>
-              <a:rPr lang="en-US" sz="2400" b="1"/>
+              <a:rPr lang="en-US" sz="2400" b="1" dirty="0"/>
               <a:t>Example use with map()</a:t>
             </a:r>
-            <a:endParaRPr lang="en-US" sz="2400"/>
-          </a:p>
-          <a:p>
-            <a:r>
-              <a:rPr lang="en-US" sz="2400"/>
+            <a:endParaRPr lang="en-US" sz="2400" dirty="0"/>
+          </a:p>
+          <a:p>
+            <a:r>
+              <a:rPr lang="en-US" sz="2400" dirty="0"/>
               <a:t>The map() function in Python takes in a function and a list.</a:t>
             </a:r>
           </a:p>
@@ -15485,11 +15468,11 @@
             </a:r>
           </a:p>
           <a:p>
-            <a:endParaRPr lang="en-US" sz="2400"/>
-          </a:p>
-          <a:p>
-            <a:r>
-              <a:rPr lang="en-US" sz="2400"/>
+            <a:endParaRPr lang="en-US" sz="2400" dirty="0"/>
+          </a:p>
+          <a:p>
+            <a:r>
+              <a:rPr lang="en-US" sz="2400" dirty="0"/>
               <a:t>Here is an example use of map() function to double all the items in a list.</a:t>
             </a:r>
           </a:p>
@@ -15575,41 +15558,65 @@
           <a:lstStyle/>
           <a:p>
             <a:r>
-              <a:rPr lang="en-US" sz="2400" b="1"/>
+              <a:rPr lang="en-US" sz="2400" b="1" dirty="0"/>
               <a:t># Program to double each item in a list using map()</a:t>
             </a:r>
           </a:p>
           <a:p>
-            <a:endParaRPr lang="en-US" sz="2400" b="1"/>
-          </a:p>
-          <a:p>
-            <a:r>
-              <a:rPr lang="en-US" sz="2400" b="1"/>
-              <a:t>my_list = [1, 5, 4, 6, 8, 11, 3, 12]</a:t>
-            </a:r>
-          </a:p>
-          <a:p>
-            <a:endParaRPr lang="en-US" sz="2400" b="1"/>
-          </a:p>
-          <a:p>
-            <a:r>
-              <a:rPr lang="en-US" sz="2400" b="1"/>
-              <a:t>new_list = list(map(lambda x: x * 2 , my_list))</a:t>
-            </a:r>
-          </a:p>
-          <a:p>
-            <a:endParaRPr lang="en-US" sz="2400" b="1"/>
-          </a:p>
-          <a:p>
-            <a:r>
-              <a:rPr lang="en-US" sz="2400" b="1"/>
+            <a:endParaRPr lang="en-US" sz="2400" b="1" dirty="0"/>
+          </a:p>
+          <a:p>
+            <a:r>
+              <a:rPr lang="en-US" sz="2400" b="1" dirty="0" err="1"/>
+              <a:t>my_list</a:t>
+            </a:r>
+            <a:r>
+              <a:rPr lang="en-US" sz="2400" b="1" dirty="0"/>
+              <a:t> = [1, 5, 4, 6, 8, 11, 3, 12]</a:t>
+            </a:r>
+          </a:p>
+          <a:p>
+            <a:endParaRPr lang="en-US" sz="2400" b="1" dirty="0"/>
+          </a:p>
+          <a:p>
+            <a:r>
+              <a:rPr lang="en-US" sz="2400" b="1" dirty="0" err="1"/>
+              <a:t>new_list</a:t>
+            </a:r>
+            <a:r>
+              <a:rPr lang="en-US" sz="2400" b="1" dirty="0"/>
+              <a:t> = list(map(lambda x: x * 2 , </a:t>
+            </a:r>
+            <a:r>
+              <a:rPr lang="en-US" sz="2400" b="1" dirty="0" err="1"/>
+              <a:t>my_list</a:t>
+            </a:r>
+            <a:r>
+              <a:rPr lang="en-US" sz="2400" b="1" dirty="0"/>
+              <a:t>))</a:t>
+            </a:r>
+          </a:p>
+          <a:p>
+            <a:endParaRPr lang="en-US" sz="2400" b="1" dirty="0"/>
+          </a:p>
+          <a:p>
+            <a:r>
+              <a:rPr lang="en-US" sz="2400" b="1" dirty="0"/>
               <a:t># Output: [2, 10, 8, 12, 16, 22, 6, 24]</a:t>
             </a:r>
           </a:p>
           <a:p>
             <a:r>
-              <a:rPr lang="en-US" sz="2400" b="1"/>
-              <a:t>print(new_list)</a:t>
+              <a:rPr lang="en-US" sz="2400" b="1" dirty="0"/>
+              <a:t>print(</a:t>
+            </a:r>
+            <a:r>
+              <a:rPr lang="en-US" sz="2400" b="1" dirty="0" err="1"/>
+              <a:t>new_list</a:t>
+            </a:r>
+            <a:r>
+              <a:rPr lang="en-US" sz="2400" b="1" dirty="0"/>
+              <a:t>)</a:t>
             </a:r>
           </a:p>
         </p:txBody>
@@ -15648,14 +15655,7 @@
                 <a:latin typeface="Verdana" panose="020B0604030504040204" pitchFamily="34" charset="0"/>
                 <a:ea typeface="Verdana" panose="020B0604030504040204" pitchFamily="34" charset="0"/>
               </a:rPr>
-              <a:t>Function-Modules-Package</a:t>
-            </a:r>
-            <a:r>
-              <a:rPr lang="en-US" dirty="0" smtClean="0">
-                <a:latin typeface="Verdana" panose="020B0604030504040204" pitchFamily="34" charset="0"/>
-                <a:ea typeface="Verdana" panose="020B0604030504040204" pitchFamily="34" charset="0"/>
-              </a:rPr>
-              <a:t>s</a:t>
+              <a:t>Function-Modules-Packages</a:t>
             </a:r>
             <a:endParaRPr lang="en-US" dirty="0">
               <a:latin typeface="Verdana" panose="020B0604030504040204" pitchFamily="34" charset="0"/>
@@ -16227,14 +16227,7 @@
                 <a:latin typeface="Verdana" panose="020B0604030504040204" pitchFamily="34" charset="0"/>
                 <a:ea typeface="Verdana" panose="020B0604030504040204" pitchFamily="34" charset="0"/>
               </a:rPr>
-              <a:t>Function-Modules-Package</a:t>
-            </a:r>
-            <a:r>
-              <a:rPr lang="en-US" dirty="0" smtClean="0">
-                <a:latin typeface="Verdana" panose="020B0604030504040204" pitchFamily="34" charset="0"/>
-                <a:ea typeface="Verdana" panose="020B0604030504040204" pitchFamily="34" charset="0"/>
-              </a:rPr>
-              <a:t>s</a:t>
+              <a:t>Function-Modules-Packages</a:t>
             </a:r>
             <a:endParaRPr lang="en-US" dirty="0">
               <a:latin typeface="Verdana" panose="020B0604030504040204" pitchFamily="34" charset="0"/>
@@ -16852,14 +16845,7 @@
                 <a:latin typeface="Verdana" panose="020B0604030504040204" pitchFamily="34" charset="0"/>
                 <a:ea typeface="Verdana" panose="020B0604030504040204" pitchFamily="34" charset="0"/>
               </a:rPr>
-              <a:t>Function-Modules-Package</a:t>
-            </a:r>
-            <a:r>
-              <a:rPr lang="en-US" dirty="0" smtClean="0">
-                <a:latin typeface="Verdana" panose="020B0604030504040204" pitchFamily="34" charset="0"/>
-                <a:ea typeface="Verdana" panose="020B0604030504040204" pitchFamily="34" charset="0"/>
-              </a:rPr>
-              <a:t>s</a:t>
+              <a:t>Function-Modules-Packages</a:t>
             </a:r>
             <a:endParaRPr lang="en-US" dirty="0">
               <a:latin typeface="Verdana" panose="020B0604030504040204" pitchFamily="34" charset="0"/>
@@ -17504,14 +17490,7 @@
                 <a:latin typeface="Verdana" panose="020B0604030504040204" pitchFamily="34" charset="0"/>
                 <a:ea typeface="Verdana" panose="020B0604030504040204" pitchFamily="34" charset="0"/>
               </a:rPr>
-              <a:t>Function-Modules-Package</a:t>
-            </a:r>
-            <a:r>
-              <a:rPr lang="en-US" dirty="0" smtClean="0">
-                <a:latin typeface="Verdana" panose="020B0604030504040204" pitchFamily="34" charset="0"/>
-                <a:ea typeface="Verdana" panose="020B0604030504040204" pitchFamily="34" charset="0"/>
-              </a:rPr>
-              <a:t>s</a:t>
+              <a:t>Function-Modules-Packages</a:t>
             </a:r>
             <a:endParaRPr lang="en-US" dirty="0">
               <a:latin typeface="Verdana" panose="020B0604030504040204" pitchFamily="34" charset="0"/>
@@ -18046,14 +18025,7 @@
                 <a:latin typeface="Verdana" panose="020B0604030504040204" pitchFamily="34" charset="0"/>
                 <a:ea typeface="Verdana" panose="020B0604030504040204" pitchFamily="34" charset="0"/>
               </a:rPr>
-              <a:t>Function-Modules-Package</a:t>
-            </a:r>
-            <a:r>
-              <a:rPr lang="en-US" dirty="0" smtClean="0">
-                <a:latin typeface="Verdana" panose="020B0604030504040204" pitchFamily="34" charset="0"/>
-                <a:ea typeface="Verdana" panose="020B0604030504040204" pitchFamily="34" charset="0"/>
-              </a:rPr>
-              <a:t>s</a:t>
+              <a:t>Function-Modules-Packages</a:t>
             </a:r>
             <a:endParaRPr lang="en-US" dirty="0">
               <a:latin typeface="Verdana" panose="020B0604030504040204" pitchFamily="34" charset="0"/>
@@ -18105,17 +18077,7 @@
                           <a:latin typeface="Verdana" panose="020B0604030504040204" pitchFamily="34" charset="0"/>
                           <a:ea typeface="Verdana" panose="020B0604030504040204" pitchFamily="34" charset="0"/>
                         </a:rPr>
-                        <a:t>Python </a:t>
-                      </a:r>
-                      <a:r>
-                        <a:rPr lang="en-US" sz="2400" dirty="0" smtClean="0">
-                          <a:solidFill>
-                            <a:schemeClr val="tx1"/>
-                          </a:solidFill>
-                          <a:latin typeface="Verdana" panose="020B0604030504040204" pitchFamily="34" charset="0"/>
-                          <a:ea typeface="Verdana" panose="020B0604030504040204" pitchFamily="34" charset="0"/>
-                        </a:rPr>
-                        <a:t>Function-Modules-Package</a:t>
+                        <a:t>Python Function-Modules-Package</a:t>
                       </a:r>
                       <a:endParaRPr lang="en-US" sz="2400" dirty="0">
                         <a:solidFill>
@@ -18959,14 +18921,7 @@
                 <a:latin typeface="Verdana" panose="020B0604030504040204" pitchFamily="34" charset="0"/>
                 <a:ea typeface="Verdana" panose="020B0604030504040204" pitchFamily="34" charset="0"/>
               </a:rPr>
-              <a:t>Function-Modules-Package</a:t>
-            </a:r>
-            <a:r>
-              <a:rPr lang="en-US" dirty="0" smtClean="0">
-                <a:latin typeface="Verdana" panose="020B0604030504040204" pitchFamily="34" charset="0"/>
-                <a:ea typeface="Verdana" panose="020B0604030504040204" pitchFamily="34" charset="0"/>
-              </a:rPr>
-              <a:t>s</a:t>
+              <a:t>Function-Modules-Packages</a:t>
             </a:r>
             <a:endParaRPr lang="en-US" dirty="0">
               <a:latin typeface="Verdana" panose="020B0604030504040204" pitchFamily="34" charset="0"/>
@@ -19505,7 +19460,7 @@
           <a:graphicData uri="http://schemas.openxmlformats.org/presentationml/2006/ole">
             <mc:AlternateContent xmlns:mc="http://schemas.openxmlformats.org/markup-compatibility/2006">
               <mc:Choice xmlns:v="urn:schemas-microsoft-com:vml" Requires="v">
-                <p:oleObj spid="_x0000_s12293" r:id="rId5" imgW="7477125" imgH="3143250" progId="Paint.Picture">
+                <p:oleObj spid="_x0000_s12296" r:id="rId5" imgW="7477125" imgH="3143250" progId="Paint.Picture">
                   <p:embed/>
                 </p:oleObj>
               </mc:Choice>
@@ -19574,14 +19529,7 @@
                 <a:latin typeface="Verdana" panose="020B0604030504040204" pitchFamily="34" charset="0"/>
                 <a:ea typeface="Verdana" panose="020B0604030504040204" pitchFamily="34" charset="0"/>
               </a:rPr>
-              <a:t>Function-Modules-Package</a:t>
-            </a:r>
-            <a:r>
-              <a:rPr lang="en-US" dirty="0" smtClean="0">
-                <a:latin typeface="Verdana" panose="020B0604030504040204" pitchFamily="34" charset="0"/>
-                <a:ea typeface="Verdana" panose="020B0604030504040204" pitchFamily="34" charset="0"/>
-              </a:rPr>
-              <a:t>s</a:t>
+              <a:t>Function-Modules-Packages</a:t>
             </a:r>
             <a:endParaRPr lang="en-US" dirty="0">
               <a:latin typeface="Verdana" panose="020B0604030504040204" pitchFamily="34" charset="0"/>
@@ -20127,14 +20075,7 @@
                 <a:latin typeface="Verdana" panose="020B0604030504040204" pitchFamily="34" charset="0"/>
                 <a:ea typeface="Verdana" panose="020B0604030504040204" pitchFamily="34" charset="0"/>
               </a:rPr>
-              <a:t>Function-Modules-Package</a:t>
-            </a:r>
-            <a:r>
-              <a:rPr lang="en-US" dirty="0" smtClean="0">
-                <a:latin typeface="Verdana" panose="020B0604030504040204" pitchFamily="34" charset="0"/>
-                <a:ea typeface="Verdana" panose="020B0604030504040204" pitchFamily="34" charset="0"/>
-              </a:rPr>
-              <a:t>s</a:t>
+              <a:t>Function-Modules-Packages</a:t>
             </a:r>
             <a:endParaRPr lang="en-US" dirty="0">
               <a:latin typeface="Verdana" panose="020B0604030504040204" pitchFamily="34" charset="0"/>
@@ -20746,14 +20687,7 @@
                 <a:latin typeface="Verdana" panose="020B0604030504040204" pitchFamily="34" charset="0"/>
                 <a:ea typeface="Verdana" panose="020B0604030504040204" pitchFamily="34" charset="0"/>
               </a:rPr>
-              <a:t>Function-Modules-Package</a:t>
-            </a:r>
-            <a:r>
-              <a:rPr lang="en-US" dirty="0" smtClean="0">
-                <a:latin typeface="Verdana" panose="020B0604030504040204" pitchFamily="34" charset="0"/>
-                <a:ea typeface="Verdana" panose="020B0604030504040204" pitchFamily="34" charset="0"/>
-              </a:rPr>
-              <a:t>s</a:t>
+              <a:t>Function-Modules-Packages</a:t>
             </a:r>
             <a:endParaRPr lang="en-US" dirty="0">
               <a:latin typeface="Verdana" panose="020B0604030504040204" pitchFamily="34" charset="0"/>
@@ -21366,14 +21300,7 @@
                 <a:latin typeface="Verdana" panose="020B0604030504040204" pitchFamily="34" charset="0"/>
                 <a:ea typeface="Verdana" panose="020B0604030504040204" pitchFamily="34" charset="0"/>
               </a:rPr>
-              <a:t>Function-Modules-Package</a:t>
-            </a:r>
-            <a:r>
-              <a:rPr lang="en-US" dirty="0" smtClean="0">
-                <a:latin typeface="Verdana" panose="020B0604030504040204" pitchFamily="34" charset="0"/>
-                <a:ea typeface="Verdana" panose="020B0604030504040204" pitchFamily="34" charset="0"/>
-              </a:rPr>
-              <a:t>s</a:t>
+              <a:t>Function-Modules-Packages</a:t>
             </a:r>
             <a:endParaRPr lang="en-US" dirty="0">
               <a:latin typeface="Verdana" panose="020B0604030504040204" pitchFamily="34" charset="0"/>
@@ -21943,14 +21870,7 @@
                 <a:latin typeface="Verdana" panose="020B0604030504040204" pitchFamily="34" charset="0"/>
                 <a:ea typeface="Verdana" panose="020B0604030504040204" pitchFamily="34" charset="0"/>
               </a:rPr>
-              <a:t>Function-Modules-Package</a:t>
-            </a:r>
-            <a:r>
-              <a:rPr lang="en-US" dirty="0" smtClean="0">
-                <a:latin typeface="Verdana" panose="020B0604030504040204" pitchFamily="34" charset="0"/>
-                <a:ea typeface="Verdana" panose="020B0604030504040204" pitchFamily="34" charset="0"/>
-              </a:rPr>
-              <a:t>s</a:t>
+              <a:t>Function-Modules-Packages</a:t>
             </a:r>
             <a:endParaRPr lang="en-US" dirty="0">
               <a:latin typeface="Verdana" panose="020B0604030504040204" pitchFamily="34" charset="0"/>
@@ -22623,14 +22543,7 @@
                 <a:latin typeface="Verdana" panose="020B0604030504040204" pitchFamily="34" charset="0"/>
                 <a:ea typeface="Verdana" panose="020B0604030504040204" pitchFamily="34" charset="0"/>
               </a:rPr>
-              <a:t>Function-Modules-Package</a:t>
-            </a:r>
-            <a:r>
-              <a:rPr lang="en-US" dirty="0" smtClean="0">
-                <a:latin typeface="Verdana" panose="020B0604030504040204" pitchFamily="34" charset="0"/>
-                <a:ea typeface="Verdana" panose="020B0604030504040204" pitchFamily="34" charset="0"/>
-              </a:rPr>
-              <a:t>s</a:t>
+              <a:t>Function-Modules-Packages</a:t>
             </a:r>
             <a:endParaRPr lang="en-US" dirty="0">
               <a:latin typeface="Verdana" panose="020B0604030504040204" pitchFamily="34" charset="0"/>
@@ -23092,7 +23005,7 @@
           <a:graphicData uri="http://schemas.openxmlformats.org/presentationml/2006/ole">
             <mc:AlternateContent xmlns:mc="http://schemas.openxmlformats.org/markup-compatibility/2006">
               <mc:Choice xmlns:v="urn:schemas-microsoft-com:vml" Requires="v">
-                <p:oleObj spid="_x0000_s11282" r:id="rId4" imgW="7496175" imgH="4219575" progId="Paint.Picture">
+                <p:oleObj spid="_x0000_s11285" r:id="rId4" imgW="7496175" imgH="4219575" progId="Paint.Picture">
                   <p:embed/>
                 </p:oleObj>
               </mc:Choice>
@@ -23161,14 +23074,7 @@
                 <a:latin typeface="Verdana" panose="020B0604030504040204" pitchFamily="34" charset="0"/>
                 <a:ea typeface="Verdana" panose="020B0604030504040204" pitchFamily="34" charset="0"/>
               </a:rPr>
-              <a:t>Function-Modules-Package</a:t>
-            </a:r>
-            <a:r>
-              <a:rPr lang="en-US" dirty="0" smtClean="0">
-                <a:latin typeface="Verdana" panose="020B0604030504040204" pitchFamily="34" charset="0"/>
-                <a:ea typeface="Verdana" panose="020B0604030504040204" pitchFamily="34" charset="0"/>
-              </a:rPr>
-              <a:t>s</a:t>
+              <a:t>Function-Modules-Packages</a:t>
             </a:r>
             <a:endParaRPr lang="en-US" dirty="0">
               <a:latin typeface="Verdana" panose="020B0604030504040204" pitchFamily="34" charset="0"/>
@@ -23823,14 +23729,7 @@
                 <a:latin typeface="Verdana" panose="020B0604030504040204" pitchFamily="34" charset="0"/>
                 <a:ea typeface="Verdana" panose="020B0604030504040204" pitchFamily="34" charset="0"/>
               </a:rPr>
-              <a:t>Function-Modules-Package</a:t>
-            </a:r>
-            <a:r>
-              <a:rPr lang="en-US" dirty="0" smtClean="0">
-                <a:latin typeface="Verdana" panose="020B0604030504040204" pitchFamily="34" charset="0"/>
-                <a:ea typeface="Verdana" panose="020B0604030504040204" pitchFamily="34" charset="0"/>
-              </a:rPr>
-              <a:t>s</a:t>
+              <a:t>Function-Modules-Packages</a:t>
             </a:r>
             <a:endParaRPr lang="en-US" dirty="0">
               <a:latin typeface="Verdana" panose="020B0604030504040204" pitchFamily="34" charset="0"/>
@@ -24431,14 +24330,7 @@
                 <a:latin typeface="Verdana" panose="020B0604030504040204" pitchFamily="34" charset="0"/>
                 <a:ea typeface="Verdana" panose="020B0604030504040204" pitchFamily="34" charset="0"/>
               </a:rPr>
-              <a:t>Function-Modules-Package</a:t>
-            </a:r>
-            <a:r>
-              <a:rPr lang="en-US" dirty="0" smtClean="0">
-                <a:latin typeface="Verdana" panose="020B0604030504040204" pitchFamily="34" charset="0"/>
-                <a:ea typeface="Verdana" panose="020B0604030504040204" pitchFamily="34" charset="0"/>
-              </a:rPr>
-              <a:t>s</a:t>
+              <a:t>Function-Modules-Packages</a:t>
             </a:r>
             <a:endParaRPr lang="en-US" dirty="0">
               <a:latin typeface="Verdana" panose="020B0604030504040204" pitchFamily="34" charset="0"/>
